--- a/pay/template.pptx
+++ b/pay/template.pptx
@@ -107,6 +107,11 @@
       </a:defRPr>
     </a:lvl9pPr>
   </p:defaultTextStyle>
+  <p:extLst>
+    <p:ext uri="{EFAFB233-063F-42B5-8137-9DF3F51BA10A}">
+      <p15:sldGuideLst xmlns:p15="http://schemas.microsoft.com/office/powerpoint/2012/main"/>
+    </p:ext>
+  </p:extLst>
 </p:presentation>
 </file>
 
@@ -3583,113 +3588,133 @@
           <a:chExt cx="0" cy="0"/>
         </a:xfrm>
       </p:grpSpPr>
-      <p:sp>
-        <p:nvSpPr>
-          <p:cNvPr id="2" name="Rectangle: Rounded Corners 1">
-            <a:extLst>
-              <a:ext uri="{FF2B5EF4-FFF2-40B4-BE49-F238E27FC236}">
-                <a16:creationId xmlns:a16="http://schemas.microsoft.com/office/drawing/2014/main" id="{95091F3A-7BD7-71A0-692F-F35DDD3A92F3}"/>
-              </a:ext>
-            </a:extLst>
-          </p:cNvPr>
-          <p:cNvSpPr/>
+      <p:grpSp>
+        <p:nvGrpSpPr>
+          <p:cNvPr id="3" name="Group 2">
+            <a:extLst>
+              <a:ext uri="{FF2B5EF4-FFF2-40B4-BE49-F238E27FC236}">
+                <a16:creationId xmlns:a16="http://schemas.microsoft.com/office/drawing/2014/main" id="{82973884-3B40-EEBD-1033-236B22DA139E}"/>
+              </a:ext>
+            </a:extLst>
+          </p:cNvPr>
+          <p:cNvGrpSpPr/>
           <p:nvPr/>
-        </p:nvSpPr>
-        <p:spPr>
+        </p:nvGrpSpPr>
+        <p:grpSpPr>
           <a:xfrm>
             <a:off x="919163" y="2019300"/>
             <a:ext cx="10353674" cy="2819400"/>
+            <a:chOff x="919163" y="2019300"/>
+            <a:chExt cx="10353674" cy="2819400"/>
           </a:xfrm>
-          <a:prstGeom prst="roundRect">
-            <a:avLst>
-              <a:gd name="adj" fmla="val 36885"/>
-            </a:avLst>
-          </a:prstGeom>
-          <a:solidFill>
-            <a:srgbClr val="D9D9D9"/>
-          </a:solidFill>
-          <a:ln>
-            <a:noFill/>
-          </a:ln>
-        </p:spPr>
-        <p:style>
-          <a:lnRef idx="2">
-            <a:schemeClr val="accent1">
-              <a:shade val="15000"/>
-            </a:schemeClr>
-          </a:lnRef>
-          <a:fillRef idx="1">
-            <a:schemeClr val="accent1"/>
-          </a:fillRef>
-          <a:effectRef idx="0">
-            <a:schemeClr val="accent1"/>
-          </a:effectRef>
-          <a:fontRef idx="minor">
-            <a:schemeClr val="lt1"/>
-          </a:fontRef>
-        </p:style>
-        <p:txBody>
-          <a:bodyPr rtlCol="0" anchor="ctr"/>
-          <a:lstStyle/>
-          <a:p>
-            <a:pPr algn="ctr"/>
-            <a:endParaRPr lang="en-GB"/>
-          </a:p>
-        </p:txBody>
-      </p:sp>
-      <p:pic>
-        <p:nvPicPr>
-          <p:cNvPr id="4" name="Picture 3">
-            <a:extLst>
-              <a:ext uri="{FF2B5EF4-FFF2-40B4-BE49-F238E27FC236}">
-                <a16:creationId xmlns:a16="http://schemas.microsoft.com/office/drawing/2014/main" id="{5FE367D0-7D10-D1F6-CC23-62AEA95CDD62}"/>
-              </a:ext>
-            </a:extLst>
-          </p:cNvPr>
-          <p:cNvPicPr>
-            <a:picLocks noChangeAspect="1"/>
-          </p:cNvPicPr>
-          <p:nvPr/>
-        </p:nvPicPr>
-        <p:blipFill>
-          <a:blip r:embed="rId2">
-            <a:extLst>
-              <a:ext uri="{BEBA8EAE-BF5A-486C-A8C5-ECC9F3942E4B}">
-                <a14:imgProps xmlns:a14="http://schemas.microsoft.com/office/drawing/2010/main">
-                  <a14:imgLayer r:embed="rId3">
-                    <a14:imgEffect>
-                      <a14:backgroundRemoval t="10000" b="90000" l="10000" r="90000">
-                        <a14:foregroundMark x1="10795" y1="45000" x2="11136" y2="66250"/>
-                        <a14:foregroundMark x1="19773" y1="31875" x2="20000" y2="43125"/>
-                        <a14:foregroundMark x1="41535" y1="54063" x2="41867" y2="55227"/>
-                        <a14:foregroundMark x1="38864" y1="44688" x2="41446" y2="53750"/>
-                        <a14:foregroundMark x1="52045" y1="49063" x2="50227" y2="60313"/>
-                        <a14:foregroundMark x1="66818" y1="38125" x2="66932" y2="55313"/>
-                        <a14:foregroundMark x1="71591" y1="50938" x2="71364" y2="62500"/>
-                        <a14:foregroundMark x1="86591" y1="47500" x2="86591" y2="60313"/>
-                        <a14:backgroundMark x1="42045" y1="55000" x2="42273" y2="56250"/>
-                        <a14:backgroundMark x1="41932" y1="53750" x2="41932" y2="54063"/>
-                      </a14:backgroundRemoval>
-                    </a14:imgEffect>
-                  </a14:imgLayer>
-                </a14:imgProps>
-              </a:ext>
-            </a:extLst>
-          </a:blip>
-          <a:stretch>
-            <a:fillRect/>
-          </a:stretch>
-        </p:blipFill>
-        <p:spPr>
-          <a:xfrm>
-            <a:off x="1800101" y="1866855"/>
-            <a:ext cx="8591798" cy="3124290"/>
-          </a:xfrm>
-          <a:prstGeom prst="rect">
-            <a:avLst/>
-          </a:prstGeom>
-        </p:spPr>
-      </p:pic>
+        </p:grpSpPr>
+        <p:sp>
+          <p:nvSpPr>
+            <p:cNvPr id="2" name="Rectangle: Rounded Corners 1">
+              <a:extLst>
+                <a:ext uri="{FF2B5EF4-FFF2-40B4-BE49-F238E27FC236}">
+                  <a16:creationId xmlns:a16="http://schemas.microsoft.com/office/drawing/2014/main" id="{95091F3A-7BD7-71A0-692F-F35DDD3A92F3}"/>
+                </a:ext>
+              </a:extLst>
+            </p:cNvPr>
+            <p:cNvSpPr/>
+            <p:nvPr/>
+          </p:nvSpPr>
+          <p:spPr>
+            <a:xfrm>
+              <a:off x="919163" y="2019300"/>
+              <a:ext cx="10353674" cy="2819400"/>
+            </a:xfrm>
+            <a:prstGeom prst="roundRect">
+              <a:avLst>
+                <a:gd name="adj" fmla="val 36885"/>
+              </a:avLst>
+            </a:prstGeom>
+            <a:solidFill>
+              <a:srgbClr val="D9D9D9"/>
+            </a:solidFill>
+            <a:ln>
+              <a:noFill/>
+            </a:ln>
+          </p:spPr>
+          <p:style>
+            <a:lnRef idx="2">
+              <a:schemeClr val="accent1">
+                <a:shade val="15000"/>
+              </a:schemeClr>
+            </a:lnRef>
+            <a:fillRef idx="1">
+              <a:schemeClr val="accent1"/>
+            </a:fillRef>
+            <a:effectRef idx="0">
+              <a:schemeClr val="accent1"/>
+            </a:effectRef>
+            <a:fontRef idx="minor">
+              <a:schemeClr val="lt1"/>
+            </a:fontRef>
+          </p:style>
+          <p:txBody>
+            <a:bodyPr rtlCol="0" anchor="ctr"/>
+            <a:lstStyle/>
+            <a:p>
+              <a:pPr algn="ctr"/>
+              <a:endParaRPr lang="en-GB"/>
+            </a:p>
+          </p:txBody>
+        </p:sp>
+        <p:pic>
+          <p:nvPicPr>
+            <p:cNvPr id="4" name="Picture 3">
+              <a:extLst>
+                <a:ext uri="{FF2B5EF4-FFF2-40B4-BE49-F238E27FC236}">
+                  <a16:creationId xmlns:a16="http://schemas.microsoft.com/office/drawing/2014/main" id="{5FE367D0-7D10-D1F6-CC23-62AEA95CDD62}"/>
+                </a:ext>
+              </a:extLst>
+            </p:cNvPr>
+            <p:cNvPicPr>
+              <a:picLocks noChangeAspect="1"/>
+            </p:cNvPicPr>
+            <p:nvPr/>
+          </p:nvPicPr>
+          <p:blipFill rotWithShape="1">
+            <a:blip r:embed="rId2">
+              <a:extLst>
+                <a:ext uri="{BEBA8EAE-BF5A-486C-A8C5-ECC9F3942E4B}">
+                  <a14:imgProps xmlns:a14="http://schemas.microsoft.com/office/drawing/2010/main">
+                    <a14:imgLayer r:embed="rId3">
+                      <a14:imgEffect>
+                        <a14:backgroundRemoval t="10000" b="90000" l="10000" r="90000">
+                          <a14:foregroundMark x1="10795" y1="45000" x2="11136" y2="66250"/>
+                          <a14:foregroundMark x1="19773" y1="31875" x2="20000" y2="43125"/>
+                          <a14:foregroundMark x1="41535" y1="54063" x2="41867" y2="55227"/>
+                          <a14:foregroundMark x1="38864" y1="44688" x2="41446" y2="53750"/>
+                          <a14:foregroundMark x1="52045" y1="49063" x2="50227" y2="60313"/>
+                          <a14:foregroundMark x1="66818" y1="38125" x2="66932" y2="55313"/>
+                          <a14:foregroundMark x1="71591" y1="50938" x2="71364" y2="62500"/>
+                          <a14:foregroundMark x1="86591" y1="47500" x2="86591" y2="60313"/>
+                          <a14:backgroundMark x1="42045" y1="55000" x2="42273" y2="56250"/>
+                          <a14:backgroundMark x1="41932" y1="53750" x2="41932" y2="54063"/>
+                        </a14:backgroundRemoval>
+                      </a14:imgEffect>
+                    </a14:imgLayer>
+                  </a14:imgProps>
+                </a:ext>
+              </a:extLst>
+            </a:blip>
+            <a:srcRect t="9759" b="9424"/>
+            <a:stretch/>
+          </p:blipFill>
+          <p:spPr>
+            <a:xfrm>
+              <a:off x="1800101" y="2171745"/>
+              <a:ext cx="8591798" cy="2524946"/>
+            </a:xfrm>
+            <a:prstGeom prst="rect">
+              <a:avLst/>
+            </a:prstGeom>
+          </p:spPr>
+        </p:pic>
+      </p:grpSp>
     </p:spTree>
     <p:extLst>
       <p:ext uri="{BB962C8B-B14F-4D97-AF65-F5344CB8AC3E}">
